--- a/presentasi_uts.pptx
+++ b/presentasi_uts.pptx
@@ -5,26 +5,24 @@
     <p:sldMasterId id="2147483876" r:id="rId1"/>
   </p:sldMasterIdLst>
   <p:notesMasterIdLst>
-    <p:notesMasterId r:id="rId19"/>
+    <p:notesMasterId r:id="rId17"/>
   </p:notesMasterIdLst>
   <p:sldIdLst>
     <p:sldId id="256" r:id="rId2"/>
     <p:sldId id="389" r:id="rId3"/>
     <p:sldId id="393" r:id="rId4"/>
     <p:sldId id="391" r:id="rId5"/>
-    <p:sldId id="258" r:id="rId6"/>
-    <p:sldId id="394" r:id="rId7"/>
-    <p:sldId id="399" r:id="rId8"/>
-    <p:sldId id="259" r:id="rId9"/>
-    <p:sldId id="260" r:id="rId10"/>
+    <p:sldId id="394" r:id="rId6"/>
+    <p:sldId id="399" r:id="rId7"/>
+    <p:sldId id="259" r:id="rId8"/>
+    <p:sldId id="260" r:id="rId9"/>
+    <p:sldId id="264" r:id="rId10"/>
     <p:sldId id="395" r:id="rId11"/>
-    <p:sldId id="396" r:id="rId12"/>
-    <p:sldId id="397" r:id="rId13"/>
-    <p:sldId id="398" r:id="rId14"/>
-    <p:sldId id="264" r:id="rId15"/>
-    <p:sldId id="261" r:id="rId16"/>
-    <p:sldId id="262" r:id="rId17"/>
-    <p:sldId id="388" r:id="rId18"/>
+    <p:sldId id="400" r:id="rId12"/>
+    <p:sldId id="396" r:id="rId13"/>
+    <p:sldId id="397" r:id="rId14"/>
+    <p:sldId id="398" r:id="rId15"/>
+    <p:sldId id="388" r:id="rId16"/>
   </p:sldIdLst>
   <p:sldSz cx="9144000" cy="6858000" type="screen4x3"/>
   <p:notesSz cx="6858000" cy="9144000"/>
@@ -3931,9 +3929,6 @@
               </a:rPr>
               <a:t> (A11.2018.11575) </a:t>
             </a:r>
-            <a:endParaRPr lang="en-ID" sz="2800" b="0" dirty="0">
-              <a:effectLst/>
-            </a:endParaRPr>
           </a:p>
           <a:p>
             <a:pPr marL="182880" indent="0">
@@ -4387,7 +4382,7 @@
       </p:sp>
       <p:pic>
         <p:nvPicPr>
-          <p:cNvPr id="4" name="Content Placeholder 3"/>
+          <p:cNvPr id="5" name="Content Placeholder 4"/>
           <p:cNvPicPr>
             <a:picLocks noGrp="1" noChangeAspect="1"/>
           </p:cNvPicPr>
@@ -4395,7 +4390,7 @@
             <p:ph idx="1"/>
           </p:nvPr>
         </p:nvPicPr>
-        <p:blipFill>
+        <p:blipFill rotWithShape="1">
           <a:blip r:embed="rId2">
             <a:extLst>
               <a:ext uri="{28A0092B-C50C-407E-A947-70E740481C1C}">
@@ -4403,14 +4398,13 @@
               </a:ext>
             </a:extLst>
           </a:blip>
-          <a:stretch>
-            <a:fillRect/>
-          </a:stretch>
+          <a:srcRect t="3174" b="4762"/>
+          <a:stretch/>
         </p:blipFill>
         <p:spPr>
           <a:xfrm>
-            <a:off x="548922" y="1600200"/>
-            <a:ext cx="8046156" cy="4724400"/>
+            <a:off x="228600" y="1752600"/>
+            <a:ext cx="8686800" cy="4419600"/>
           </a:xfrm>
         </p:spPr>
       </p:pic>
@@ -4454,7 +4448,7 @@
             <p:ph idx="1"/>
           </p:nvPr>
         </p:nvPicPr>
-        <p:blipFill>
+        <p:blipFill rotWithShape="1">
           <a:blip r:embed="rId2">
             <a:extLst>
               <a:ext uri="{28A0092B-C50C-407E-A947-70E740481C1C}">
@@ -4462,21 +4456,20 @@
               </a:ext>
             </a:extLst>
           </a:blip>
-          <a:stretch>
-            <a:fillRect/>
-          </a:stretch>
+          <a:srcRect t="7812" b="4688"/>
+          <a:stretch/>
         </p:blipFill>
         <p:spPr>
           <a:xfrm>
-            <a:off x="304800" y="1447800"/>
-            <a:ext cx="8534400" cy="4678363"/>
+            <a:off x="228600" y="1447800"/>
+            <a:ext cx="8686800" cy="4267200"/>
           </a:xfrm>
         </p:spPr>
       </p:pic>
     </p:spTree>
     <p:extLst>
       <p:ext uri="{BB962C8B-B14F-4D97-AF65-F5344CB8AC3E}">
-        <p14:creationId xmlns:p14="http://schemas.microsoft.com/office/powerpoint/2010/main" val="1910415216"/>
+        <p14:creationId xmlns:p14="http://schemas.microsoft.com/office/powerpoint/2010/main" val="1224049703"/>
       </p:ext>
     </p:extLst>
   </p:cSld>
@@ -4513,7 +4506,7 @@
             <p:ph idx="1"/>
           </p:nvPr>
         </p:nvPicPr>
-        <p:blipFill>
+        <p:blipFill rotWithShape="1">
           <a:blip r:embed="rId2">
             <a:extLst>
               <a:ext uri="{28A0092B-C50C-407E-A947-70E740481C1C}">
@@ -4521,21 +4514,20 @@
               </a:ext>
             </a:extLst>
           </a:blip>
-          <a:stretch>
-            <a:fillRect/>
-          </a:stretch>
+          <a:srcRect t="8143" b="5531"/>
+          <a:stretch/>
         </p:blipFill>
         <p:spPr>
           <a:xfrm>
-            <a:off x="228600" y="1447800"/>
-            <a:ext cx="8686800" cy="4800600"/>
+            <a:off x="304800" y="1828801"/>
+            <a:ext cx="8534400" cy="4038600"/>
           </a:xfrm>
         </p:spPr>
       </p:pic>
     </p:spTree>
     <p:extLst>
       <p:ext uri="{BB962C8B-B14F-4D97-AF65-F5344CB8AC3E}">
-        <p14:creationId xmlns:p14="http://schemas.microsoft.com/office/powerpoint/2010/main" val="3689378554"/>
+        <p14:creationId xmlns:p14="http://schemas.microsoft.com/office/powerpoint/2010/main" val="1910415216"/>
       </p:ext>
     </p:extLst>
   </p:cSld>
@@ -4572,7 +4564,7 @@
             <p:ph idx="1"/>
           </p:nvPr>
         </p:nvPicPr>
-        <p:blipFill>
+        <p:blipFill rotWithShape="1">
           <a:blip r:embed="rId2">
             <a:extLst>
               <a:ext uri="{28A0092B-C50C-407E-A947-70E740481C1C}">
@@ -4580,21 +4572,20 @@
               </a:ext>
             </a:extLst>
           </a:blip>
-          <a:stretch>
-            <a:fillRect/>
-          </a:stretch>
+          <a:srcRect t="7936" b="4762"/>
+          <a:stretch/>
         </p:blipFill>
         <p:spPr>
           <a:xfrm>
-            <a:off x="304800" y="1295400"/>
-            <a:ext cx="8534400" cy="4724400"/>
+            <a:off x="228600" y="1828800"/>
+            <a:ext cx="8686800" cy="4191000"/>
           </a:xfrm>
         </p:spPr>
       </p:pic>
     </p:spTree>
     <p:extLst>
       <p:ext uri="{BB962C8B-B14F-4D97-AF65-F5344CB8AC3E}">
-        <p14:creationId xmlns:p14="http://schemas.microsoft.com/office/powerpoint/2010/main" val="4046286115"/>
+        <p14:creationId xmlns:p14="http://schemas.microsoft.com/office/powerpoint/2010/main" val="3689378554"/>
       </p:ext>
     </p:extLst>
   </p:cSld>
@@ -4621,60 +4612,38 @@
           <a:chExt cx="0" cy="0"/>
         </a:xfrm>
       </p:grpSpPr>
-      <p:sp>
-        <p:nvSpPr>
-          <p:cNvPr id="2" name="Title 1"/>
-          <p:cNvSpPr>
-            <a:spLocks noGrp="1"/>
-          </p:cNvSpPr>
-          <p:nvPr>
-            <p:ph type="title"/>
-          </p:nvPr>
-        </p:nvSpPr>
+      <p:pic>
+        <p:nvPicPr>
+          <p:cNvPr id="4" name="Content Placeholder 3"/>
+          <p:cNvPicPr>
+            <a:picLocks noGrp="1" noChangeAspect="1"/>
+          </p:cNvPicPr>
+          <p:nvPr>
+            <p:ph idx="1"/>
+          </p:nvPr>
+        </p:nvPicPr>
+        <p:blipFill rotWithShape="1">
+          <a:blip r:embed="rId2">
+            <a:extLst>
+              <a:ext uri="{28A0092B-C50C-407E-A947-70E740481C1C}">
+                <a14:useLocalDpi xmlns:a14="http://schemas.microsoft.com/office/drawing/2010/main" val="0"/>
+              </a:ext>
+            </a:extLst>
+          </a:blip>
+          <a:srcRect t="8065" b="4839"/>
+          <a:stretch/>
+        </p:blipFill>
         <p:spPr>
           <a:xfrm>
-            <a:off x="1257300" y="228600"/>
-            <a:ext cx="6629400" cy="838200"/>
+            <a:off x="304800" y="1676400"/>
+            <a:ext cx="8534400" cy="4114800"/>
           </a:xfrm>
         </p:spPr>
-        <p:txBody>
-          <a:bodyPr/>
-          <a:lstStyle/>
-          <a:p>
-            <a:endParaRPr lang="en-US" dirty="0"/>
-          </a:p>
-        </p:txBody>
-      </p:sp>
-      <p:sp>
-        <p:nvSpPr>
-          <p:cNvPr id="3" name="Content Placeholder 2"/>
-          <p:cNvSpPr>
-            <a:spLocks noGrp="1"/>
-          </p:cNvSpPr>
-          <p:nvPr>
-            <p:ph idx="1"/>
-          </p:nvPr>
-        </p:nvSpPr>
-        <p:spPr>
-          <a:xfrm>
-            <a:off x="381000" y="1066800"/>
-            <a:ext cx="4877069" cy="3263504"/>
-          </a:xfrm>
-        </p:spPr>
-        <p:txBody>
-          <a:bodyPr/>
-          <a:lstStyle/>
-          <a:p>
-            <a:endParaRPr lang="en-US" sz="1800" dirty="0">
-              <a:latin typeface="Comic Sans MS" panose="030F0702030302020204" pitchFamily="66" charset="0"/>
-            </a:endParaRPr>
-          </a:p>
-        </p:txBody>
-      </p:sp>
+      </p:pic>
     </p:spTree>
     <p:extLst>
       <p:ext uri="{BB962C8B-B14F-4D97-AF65-F5344CB8AC3E}">
-        <p14:creationId xmlns:p14="http://schemas.microsoft.com/office/powerpoint/2010/main" val="701135492"/>
+        <p14:creationId xmlns:p14="http://schemas.microsoft.com/office/powerpoint/2010/main" val="4046286115"/>
       </p:ext>
     </p:extLst>
   </p:cSld>
@@ -4685,173 +4654,6 @@
 </file>
 
 <file path=ppt/slides/slide15.xml><?xml version="1.0" encoding="utf-8"?>
-<p:sld xmlns:a="http://schemas.openxmlformats.org/drawingml/2006/main" xmlns:r="http://schemas.openxmlformats.org/officeDocument/2006/relationships" xmlns:p="http://schemas.openxmlformats.org/presentationml/2006/main">
-  <p:cSld>
-    <p:spTree>
-      <p:nvGrpSpPr>
-        <p:cNvPr id="1" name=""/>
-        <p:cNvGrpSpPr/>
-        <p:nvPr/>
-      </p:nvGrpSpPr>
-      <p:grpSpPr>
-        <a:xfrm>
-          <a:off x="0" y="0"/>
-          <a:ext cx="0" cy="0"/>
-          <a:chOff x="0" y="0"/>
-          <a:chExt cx="0" cy="0"/>
-        </a:xfrm>
-      </p:grpSpPr>
-      <p:sp>
-        <p:nvSpPr>
-          <p:cNvPr id="3" name="Content Placeholder 2"/>
-          <p:cNvSpPr>
-            <a:spLocks noGrp="1"/>
-          </p:cNvSpPr>
-          <p:nvPr>
-            <p:ph idx="1"/>
-          </p:nvPr>
-        </p:nvSpPr>
-        <p:spPr>
-          <a:xfrm>
-            <a:off x="533400" y="1364169"/>
-            <a:ext cx="3602060" cy="3263504"/>
-          </a:xfrm>
-        </p:spPr>
-        <p:txBody>
-          <a:bodyPr>
-            <a:normAutofit/>
-          </a:bodyPr>
-          <a:lstStyle/>
-          <a:p>
-            <a:pPr>
-              <a:lnSpc>
-                <a:spcPct val="150000"/>
-              </a:lnSpc>
-            </a:pPr>
-            <a:endParaRPr lang="en-US" sz="2000" dirty="0">
-              <a:latin typeface="Comic Sans MS" panose="030F0702030302020204" pitchFamily="66" charset="0"/>
-            </a:endParaRPr>
-          </a:p>
-        </p:txBody>
-      </p:sp>
-      <p:sp>
-        <p:nvSpPr>
-          <p:cNvPr id="5" name="Title 4"/>
-          <p:cNvSpPr>
-            <a:spLocks noGrp="1"/>
-          </p:cNvSpPr>
-          <p:nvPr>
-            <p:ph type="title"/>
-          </p:nvPr>
-        </p:nvSpPr>
-        <p:spPr/>
-        <p:txBody>
-          <a:bodyPr/>
-          <a:lstStyle/>
-          <a:p>
-            <a:endParaRPr lang="en-ID"/>
-          </a:p>
-        </p:txBody>
-      </p:sp>
-    </p:spTree>
-    <p:extLst>
-      <p:ext uri="{BB962C8B-B14F-4D97-AF65-F5344CB8AC3E}">
-        <p14:creationId xmlns:p14="http://schemas.microsoft.com/office/powerpoint/2010/main" val="1893875179"/>
-      </p:ext>
-    </p:extLst>
-  </p:cSld>
-  <p:clrMapOvr>
-    <a:masterClrMapping/>
-  </p:clrMapOvr>
-</p:sld>
-</file>
-
-<file path=ppt/slides/slide16.xml><?xml version="1.0" encoding="utf-8"?>
-<p:sld xmlns:a="http://schemas.openxmlformats.org/drawingml/2006/main" xmlns:r="http://schemas.openxmlformats.org/officeDocument/2006/relationships" xmlns:p="http://schemas.openxmlformats.org/presentationml/2006/main">
-  <p:cSld>
-    <p:spTree>
-      <p:nvGrpSpPr>
-        <p:cNvPr id="1" name=""/>
-        <p:cNvGrpSpPr/>
-        <p:nvPr/>
-      </p:nvGrpSpPr>
-      <p:grpSpPr>
-        <a:xfrm>
-          <a:off x="0" y="0"/>
-          <a:ext cx="0" cy="0"/>
-          <a:chOff x="0" y="0"/>
-          <a:chExt cx="0" cy="0"/>
-        </a:xfrm>
-      </p:grpSpPr>
-      <p:sp>
-        <p:nvSpPr>
-          <p:cNvPr id="2" name="Title 1"/>
-          <p:cNvSpPr>
-            <a:spLocks noGrp="1"/>
-          </p:cNvSpPr>
-          <p:nvPr>
-            <p:ph type="title"/>
-          </p:nvPr>
-        </p:nvSpPr>
-        <p:spPr>
-          <a:xfrm>
-            <a:off x="1143000" y="297655"/>
-            <a:ext cx="6858000" cy="868363"/>
-          </a:xfrm>
-        </p:spPr>
-        <p:txBody>
-          <a:bodyPr/>
-          <a:lstStyle/>
-          <a:p>
-            <a:endParaRPr lang="en-US" dirty="0"/>
-          </a:p>
-        </p:txBody>
-      </p:sp>
-      <p:sp>
-        <p:nvSpPr>
-          <p:cNvPr id="3" name="Content Placeholder 2"/>
-          <p:cNvSpPr>
-            <a:spLocks noGrp="1"/>
-          </p:cNvSpPr>
-          <p:nvPr>
-            <p:ph idx="1"/>
-          </p:nvPr>
-        </p:nvSpPr>
-        <p:spPr>
-          <a:xfrm>
-            <a:off x="315531" y="1157337"/>
-            <a:ext cx="8229600" cy="4525963"/>
-          </a:xfrm>
-        </p:spPr>
-        <p:txBody>
-          <a:bodyPr/>
-          <a:lstStyle/>
-          <a:p>
-            <a:pPr>
-              <a:lnSpc>
-                <a:spcPct val="200000"/>
-              </a:lnSpc>
-            </a:pPr>
-            <a:endParaRPr lang="en-US" sz="1800" dirty="0">
-              <a:latin typeface="Comic Sans MS" panose="030F0702030302020204" pitchFamily="66" charset="0"/>
-            </a:endParaRPr>
-          </a:p>
-        </p:txBody>
-      </p:sp>
-    </p:spTree>
-    <p:extLst>
-      <p:ext uri="{BB962C8B-B14F-4D97-AF65-F5344CB8AC3E}">
-        <p14:creationId xmlns:p14="http://schemas.microsoft.com/office/powerpoint/2010/main" val="3935788218"/>
-      </p:ext>
-    </p:extLst>
-  </p:cSld>
-  <p:clrMapOvr>
-    <a:masterClrMapping/>
-  </p:clrMapOvr>
-</p:sld>
-</file>
-
-<file path=ppt/slides/slide17.xml><?xml version="1.0" encoding="utf-8"?>
 <p:sld xmlns:a="http://schemas.openxmlformats.org/drawingml/2006/main" xmlns:r="http://schemas.openxmlformats.org/officeDocument/2006/relationships" xmlns:p="http://schemas.openxmlformats.org/presentationml/2006/main">
   <p:cSld>
     <p:spTree>
@@ -5320,11 +5122,7 @@
           <a:p>
             <a:r>
               <a:rPr lang="en-US" sz="4000" dirty="0" smtClean="0"/>
-              <a:t>Stakeholder </a:t>
-            </a:r>
-            <a:r>
-              <a:rPr lang="en-US" sz="4000" dirty="0" err="1" smtClean="0"/>
-              <a:t>Proyek</a:t>
+              <a:t>Stakeholder Project</a:t>
             </a:r>
             <a:endParaRPr lang="en-ID" sz="4000" dirty="0"/>
           </a:p>
@@ -5537,8 +5335,8 @@
         </p:nvSpPr>
         <p:spPr>
           <a:xfrm>
-            <a:off x="609600" y="2543969"/>
-            <a:ext cx="8229600" cy="1219200"/>
+            <a:off x="381000" y="0"/>
+            <a:ext cx="8229600" cy="1600200"/>
           </a:xfrm>
         </p:spPr>
         <p:txBody>
@@ -5546,17 +5344,259 @@
           <a:lstStyle/>
           <a:p>
             <a:r>
-              <a:rPr lang="en-US" dirty="0" smtClean="0"/>
+              <a:rPr lang="en-US" dirty="0"/>
               <a:t>Project Scope Statement</a:t>
             </a:r>
-            <a:endParaRPr lang="en-US" dirty="0"/>
+            <a:endParaRPr lang="en-ID" dirty="0"/>
+          </a:p>
+        </p:txBody>
+      </p:sp>
+      <p:sp>
+        <p:nvSpPr>
+          <p:cNvPr id="3" name="Content Placeholder 2"/>
+          <p:cNvSpPr>
+            <a:spLocks noGrp="1"/>
+          </p:cNvSpPr>
+          <p:nvPr>
+            <p:ph idx="1"/>
+          </p:nvPr>
+        </p:nvSpPr>
+        <p:spPr>
+          <a:xfrm>
+            <a:off x="-76200" y="2286000"/>
+            <a:ext cx="10287000" cy="3429000"/>
+          </a:xfrm>
+        </p:spPr>
+        <p:txBody>
+          <a:bodyPr>
+            <a:noAutofit/>
+          </a:bodyPr>
+          <a:lstStyle/>
+          <a:p>
+            <a:pPr marL="0" indent="0">
+              <a:buNone/>
+            </a:pPr>
+            <a:r>
+              <a:rPr lang="en-US" sz="2500" b="1" dirty="0" err="1"/>
+              <a:t>Deskripsi</a:t>
+            </a:r>
+            <a:r>
+              <a:rPr lang="en-US" sz="2500" b="1" dirty="0"/>
+              <a:t> </a:t>
+            </a:r>
+            <a:r>
+              <a:rPr lang="en-US" sz="2500" b="1" dirty="0" err="1" smtClean="0"/>
+              <a:t>Fungsonalitas</a:t>
+            </a:r>
+            <a:r>
+              <a:rPr lang="en-US" sz="2500" b="1" dirty="0" smtClean="0"/>
+              <a:t> :</a:t>
+            </a:r>
+          </a:p>
+          <a:p>
+            <a:pPr marL="0" indent="0">
+              <a:buNone/>
+            </a:pPr>
+            <a:endParaRPr lang="en-ID" sz="2500" b="1" dirty="0" smtClean="0"/>
+          </a:p>
+          <a:p>
+            <a:pPr marL="0" indent="0">
+              <a:buNone/>
+            </a:pPr>
+            <a:r>
+              <a:rPr lang="en-ID" sz="2500" dirty="0" err="1" smtClean="0"/>
+              <a:t>Tujuan</a:t>
+            </a:r>
+            <a:r>
+              <a:rPr lang="en-ID" sz="2500" dirty="0" smtClean="0"/>
+              <a:t> </a:t>
+            </a:r>
+            <a:r>
+              <a:rPr lang="en-ID" sz="2500" dirty="0" err="1"/>
+              <a:t>dari</a:t>
+            </a:r>
+            <a:r>
+              <a:rPr lang="en-ID" sz="2500" dirty="0"/>
+              <a:t> </a:t>
+            </a:r>
+            <a:r>
+              <a:rPr lang="en-ID" sz="2500" dirty="0" err="1"/>
+              <a:t>pembuatan</a:t>
+            </a:r>
+            <a:r>
+              <a:rPr lang="en-ID" sz="2500" dirty="0"/>
+              <a:t> </a:t>
+            </a:r>
+            <a:r>
+              <a:rPr lang="en-ID" sz="2500" dirty="0" err="1"/>
+              <a:t>aplikasi</a:t>
+            </a:r>
+            <a:r>
+              <a:rPr lang="en-ID" sz="2500" dirty="0"/>
+              <a:t> </a:t>
+            </a:r>
+            <a:r>
+              <a:rPr lang="en-ID" sz="2500" dirty="0" err="1"/>
+              <a:t>ini</a:t>
+            </a:r>
+            <a:r>
+              <a:rPr lang="en-ID" sz="2500" dirty="0"/>
+              <a:t> </a:t>
+            </a:r>
+            <a:r>
+              <a:rPr lang="en-ID" sz="2500" dirty="0" smtClean="0"/>
+              <a:t>:</a:t>
+            </a:r>
+          </a:p>
+          <a:p>
+            <a:pPr marL="0" indent="0">
+              <a:buNone/>
+            </a:pPr>
+            <a:r>
+              <a:rPr lang="en-ID" sz="2500" dirty="0"/>
+              <a:t/>
+            </a:r>
+            <a:br>
+              <a:rPr lang="en-ID" sz="2500" dirty="0"/>
+            </a:br>
+            <a:r>
+              <a:rPr lang="en-ID" sz="2500" dirty="0" smtClean="0"/>
+              <a:t>1.  </a:t>
+            </a:r>
+            <a:r>
+              <a:rPr lang="en-ID" sz="2500" dirty="0" err="1" smtClean="0"/>
+              <a:t>Memberikan</a:t>
+            </a:r>
+            <a:r>
+              <a:rPr lang="en-ID" sz="2500" dirty="0" smtClean="0"/>
+              <a:t> </a:t>
+            </a:r>
+            <a:r>
+              <a:rPr lang="en-ID" sz="2500" dirty="0" err="1"/>
+              <a:t>Pengalaman</a:t>
+            </a:r>
+            <a:r>
+              <a:rPr lang="en-ID" sz="2500" dirty="0"/>
+              <a:t> </a:t>
+            </a:r>
+            <a:r>
+              <a:rPr lang="en-ID" sz="2500" dirty="0" err="1" smtClean="0"/>
+              <a:t>baru</a:t>
+            </a:r>
+            <a:r>
+              <a:rPr lang="en-ID" sz="2500" dirty="0" smtClean="0"/>
+              <a:t> </a:t>
+            </a:r>
+            <a:r>
+              <a:rPr lang="en-ID" sz="2500" dirty="0" err="1" smtClean="0"/>
+              <a:t>kepada</a:t>
+            </a:r>
+            <a:r>
+              <a:rPr lang="en-ID" sz="2500" dirty="0" smtClean="0"/>
+              <a:t> </a:t>
+            </a:r>
+            <a:r>
+              <a:rPr lang="en-ID" sz="2500" dirty="0" err="1"/>
+              <a:t>costomer</a:t>
+            </a:r>
+            <a:r>
+              <a:rPr lang="en-ID" sz="2500" dirty="0"/>
+              <a:t> di </a:t>
+            </a:r>
+            <a:r>
+              <a:rPr lang="en-ID" sz="2500" dirty="0" smtClean="0"/>
+              <a:t>cafe.</a:t>
+            </a:r>
+            <a:r>
+              <a:rPr lang="en-ID" sz="2500" dirty="0"/>
+              <a:t/>
+            </a:r>
+            <a:br>
+              <a:rPr lang="en-ID" sz="2500" dirty="0"/>
+            </a:br>
+            <a:r>
+              <a:rPr lang="en-ID" sz="2500" dirty="0" smtClean="0"/>
+              <a:t>2.  </a:t>
+            </a:r>
+            <a:r>
+              <a:rPr lang="en-ID" sz="2500" dirty="0" err="1"/>
+              <a:t>Membantu</a:t>
+            </a:r>
+            <a:r>
+              <a:rPr lang="en-ID" sz="2500" dirty="0"/>
+              <a:t> </a:t>
+            </a:r>
+            <a:r>
+              <a:rPr lang="en-ID" sz="2500" dirty="0" err="1" smtClean="0"/>
+              <a:t>mempromosikan</a:t>
+            </a:r>
+            <a:r>
+              <a:rPr lang="en-ID" sz="2500" dirty="0" smtClean="0"/>
+              <a:t> menu </a:t>
+            </a:r>
+            <a:r>
+              <a:rPr lang="en-ID" sz="2500" dirty="0"/>
+              <a:t>yang </a:t>
+            </a:r>
+            <a:r>
+              <a:rPr lang="en-ID" sz="2500" dirty="0" err="1"/>
+              <a:t>ada</a:t>
+            </a:r>
+            <a:r>
+              <a:rPr lang="en-ID" sz="2500" dirty="0"/>
+              <a:t> di </a:t>
+            </a:r>
+            <a:r>
+              <a:rPr lang="en-ID" sz="2500" dirty="0" smtClean="0"/>
+              <a:t>cafe</a:t>
+            </a:r>
+            <a:r>
+              <a:rPr lang="en-ID" sz="2500" dirty="0"/>
+              <a:t/>
+            </a:r>
+            <a:br>
+              <a:rPr lang="en-ID" sz="2500" dirty="0"/>
+            </a:br>
+            <a:r>
+              <a:rPr lang="en-ID" sz="2500" dirty="0" smtClean="0"/>
+              <a:t>3.  </a:t>
+            </a:r>
+            <a:r>
+              <a:rPr lang="en-ID" sz="2500" dirty="0" err="1" smtClean="0"/>
+              <a:t>Mempermudah</a:t>
+            </a:r>
+            <a:r>
+              <a:rPr lang="en-ID" sz="2500" dirty="0" smtClean="0"/>
+              <a:t> </a:t>
+            </a:r>
+            <a:r>
+              <a:rPr lang="en-ID" sz="2500" dirty="0" err="1"/>
+              <a:t>pemilik</a:t>
+            </a:r>
+            <a:r>
+              <a:rPr lang="en-ID" sz="2500" dirty="0"/>
+              <a:t> cafe </a:t>
+            </a:r>
+            <a:r>
+              <a:rPr lang="en-ID" sz="2500" dirty="0" err="1"/>
+              <a:t>untuk</a:t>
+            </a:r>
+            <a:r>
+              <a:rPr lang="en-ID" sz="2500" dirty="0"/>
+              <a:t> </a:t>
+            </a:r>
+            <a:r>
+              <a:rPr lang="en-ID" sz="2500" dirty="0" smtClean="0"/>
+              <a:t>monitoring</a:t>
+            </a:r>
+            <a:endParaRPr lang="en-ID" sz="2500" dirty="0"/>
           </a:p>
         </p:txBody>
       </p:sp>
     </p:spTree>
     <p:extLst>
       <p:ext uri="{BB962C8B-B14F-4D97-AF65-F5344CB8AC3E}">
-        <p14:creationId xmlns:p14="http://schemas.microsoft.com/office/powerpoint/2010/main" val="2185652363"/>
+        <p14:creationId xmlns:p14="http://schemas.microsoft.com/office/powerpoint/2010/main" val="3044132474"/>
       </p:ext>
     </p:extLst>
   </p:cSld>
@@ -5637,306 +5677,6 @@
               <a:buNone/>
             </a:pPr>
             <a:r>
-              <a:rPr lang="en-US" sz="2500" b="1" dirty="0" err="1"/>
-              <a:t>Deskripsi</a:t>
-            </a:r>
-            <a:r>
-              <a:rPr lang="en-US" sz="2500" b="1" dirty="0"/>
-              <a:t> </a:t>
-            </a:r>
-            <a:r>
-              <a:rPr lang="en-US" sz="2500" b="1" dirty="0" err="1" smtClean="0"/>
-              <a:t>Fungsonalitas</a:t>
-            </a:r>
-            <a:r>
-              <a:rPr lang="en-US" sz="2500" b="1" dirty="0" smtClean="0"/>
-              <a:t> :</a:t>
-            </a:r>
-          </a:p>
-          <a:p>
-            <a:pPr marL="0" indent="0">
-              <a:buNone/>
-            </a:pPr>
-            <a:endParaRPr lang="en-ID" sz="2500" b="1" dirty="0" smtClean="0"/>
-          </a:p>
-          <a:p>
-            <a:pPr marL="0" indent="0">
-              <a:buNone/>
-            </a:pPr>
-            <a:r>
-              <a:rPr lang="en-ID" sz="2500" dirty="0" err="1" smtClean="0"/>
-              <a:t>Tujuan</a:t>
-            </a:r>
-            <a:r>
-              <a:rPr lang="en-ID" sz="2500" dirty="0" smtClean="0"/>
-              <a:t> </a:t>
-            </a:r>
-            <a:r>
-              <a:rPr lang="en-ID" sz="2500" dirty="0" err="1"/>
-              <a:t>dari</a:t>
-            </a:r>
-            <a:r>
-              <a:rPr lang="en-ID" sz="2500" dirty="0"/>
-              <a:t> </a:t>
-            </a:r>
-            <a:r>
-              <a:rPr lang="en-ID" sz="2500" dirty="0" err="1"/>
-              <a:t>pembuatan</a:t>
-            </a:r>
-            <a:r>
-              <a:rPr lang="en-ID" sz="2500" dirty="0"/>
-              <a:t> </a:t>
-            </a:r>
-            <a:r>
-              <a:rPr lang="en-ID" sz="2500" dirty="0" err="1"/>
-              <a:t>aplikasi</a:t>
-            </a:r>
-            <a:r>
-              <a:rPr lang="en-ID" sz="2500" dirty="0"/>
-              <a:t> </a:t>
-            </a:r>
-            <a:r>
-              <a:rPr lang="en-ID" sz="2500" dirty="0" err="1"/>
-              <a:t>ini</a:t>
-            </a:r>
-            <a:r>
-              <a:rPr lang="en-ID" sz="2500" dirty="0"/>
-              <a:t> </a:t>
-            </a:r>
-            <a:r>
-              <a:rPr lang="en-ID" sz="2500" dirty="0" smtClean="0"/>
-              <a:t>:</a:t>
-            </a:r>
-          </a:p>
-          <a:p>
-            <a:pPr marL="0" indent="0">
-              <a:buNone/>
-            </a:pPr>
-            <a:r>
-              <a:rPr lang="en-ID" sz="2500" dirty="0"/>
-              <a:t/>
-            </a:r>
-            <a:br>
-              <a:rPr lang="en-ID" sz="2500" dirty="0"/>
-            </a:br>
-            <a:r>
-              <a:rPr lang="en-ID" sz="2500" dirty="0" smtClean="0"/>
-              <a:t>1.  </a:t>
-            </a:r>
-            <a:r>
-              <a:rPr lang="en-ID" sz="2500" dirty="0" err="1" smtClean="0"/>
-              <a:t>Memberikan</a:t>
-            </a:r>
-            <a:r>
-              <a:rPr lang="en-ID" sz="2500" dirty="0" smtClean="0"/>
-              <a:t> </a:t>
-            </a:r>
-            <a:r>
-              <a:rPr lang="en-ID" sz="2500" dirty="0" err="1"/>
-              <a:t>Pengalaman</a:t>
-            </a:r>
-            <a:r>
-              <a:rPr lang="en-ID" sz="2500" dirty="0"/>
-              <a:t> </a:t>
-            </a:r>
-            <a:r>
-              <a:rPr lang="en-ID" sz="2500" dirty="0" err="1" smtClean="0"/>
-              <a:t>baru</a:t>
-            </a:r>
-            <a:r>
-              <a:rPr lang="en-ID" sz="2500" dirty="0" smtClean="0"/>
-              <a:t> </a:t>
-            </a:r>
-            <a:r>
-              <a:rPr lang="en-ID" sz="2500" dirty="0" err="1" smtClean="0"/>
-              <a:t>kepada</a:t>
-            </a:r>
-            <a:r>
-              <a:rPr lang="en-ID" sz="2500" dirty="0" smtClean="0"/>
-              <a:t> </a:t>
-            </a:r>
-            <a:r>
-              <a:rPr lang="en-ID" sz="2500" dirty="0" err="1"/>
-              <a:t>costomer</a:t>
-            </a:r>
-            <a:r>
-              <a:rPr lang="en-ID" sz="2500" dirty="0"/>
-              <a:t> di </a:t>
-            </a:r>
-            <a:r>
-              <a:rPr lang="en-ID" sz="2500" dirty="0" smtClean="0"/>
-              <a:t>cafe.</a:t>
-            </a:r>
-            <a:r>
-              <a:rPr lang="en-ID" sz="2500" dirty="0"/>
-              <a:t/>
-            </a:r>
-            <a:br>
-              <a:rPr lang="en-ID" sz="2500" dirty="0"/>
-            </a:br>
-            <a:r>
-              <a:rPr lang="en-ID" sz="2500" dirty="0" smtClean="0"/>
-              <a:t>2.  </a:t>
-            </a:r>
-            <a:r>
-              <a:rPr lang="en-ID" sz="2500" dirty="0" err="1"/>
-              <a:t>Membantu</a:t>
-            </a:r>
-            <a:r>
-              <a:rPr lang="en-ID" sz="2500" dirty="0"/>
-              <a:t> </a:t>
-            </a:r>
-            <a:r>
-              <a:rPr lang="en-ID" sz="2500" dirty="0" err="1" smtClean="0"/>
-              <a:t>mempromosikan</a:t>
-            </a:r>
-            <a:r>
-              <a:rPr lang="en-ID" sz="2500" dirty="0" smtClean="0"/>
-              <a:t> menu </a:t>
-            </a:r>
-            <a:r>
-              <a:rPr lang="en-ID" sz="2500" dirty="0"/>
-              <a:t>yang </a:t>
-            </a:r>
-            <a:r>
-              <a:rPr lang="en-ID" sz="2500" dirty="0" err="1"/>
-              <a:t>ada</a:t>
-            </a:r>
-            <a:r>
-              <a:rPr lang="en-ID" sz="2500" dirty="0"/>
-              <a:t> di </a:t>
-            </a:r>
-            <a:r>
-              <a:rPr lang="en-ID" sz="2500" dirty="0" smtClean="0"/>
-              <a:t>cafe</a:t>
-            </a:r>
-            <a:r>
-              <a:rPr lang="en-ID" sz="2500" dirty="0"/>
-              <a:t/>
-            </a:r>
-            <a:br>
-              <a:rPr lang="en-ID" sz="2500" dirty="0"/>
-            </a:br>
-            <a:r>
-              <a:rPr lang="en-ID" sz="2500" dirty="0" smtClean="0"/>
-              <a:t>3.  </a:t>
-            </a:r>
-            <a:r>
-              <a:rPr lang="en-ID" sz="2500" dirty="0" err="1" smtClean="0"/>
-              <a:t>Mempermudah</a:t>
-            </a:r>
-            <a:r>
-              <a:rPr lang="en-ID" sz="2500" dirty="0" smtClean="0"/>
-              <a:t> </a:t>
-            </a:r>
-            <a:r>
-              <a:rPr lang="en-ID" sz="2500" dirty="0" err="1"/>
-              <a:t>pemilik</a:t>
-            </a:r>
-            <a:r>
-              <a:rPr lang="en-ID" sz="2500" dirty="0"/>
-              <a:t> cafe </a:t>
-            </a:r>
-            <a:r>
-              <a:rPr lang="en-ID" sz="2500" dirty="0" err="1"/>
-              <a:t>untuk</a:t>
-            </a:r>
-            <a:r>
-              <a:rPr lang="en-ID" sz="2500" dirty="0"/>
-              <a:t> </a:t>
-            </a:r>
-            <a:r>
-              <a:rPr lang="en-ID" sz="2500" dirty="0" smtClean="0"/>
-              <a:t>monitoring</a:t>
-            </a:r>
-            <a:endParaRPr lang="en-ID" sz="2500" dirty="0"/>
-          </a:p>
-        </p:txBody>
-      </p:sp>
-    </p:spTree>
-    <p:extLst>
-      <p:ext uri="{BB962C8B-B14F-4D97-AF65-F5344CB8AC3E}">
-        <p14:creationId xmlns:p14="http://schemas.microsoft.com/office/powerpoint/2010/main" val="3044132474"/>
-      </p:ext>
-    </p:extLst>
-  </p:cSld>
-  <p:clrMapOvr>
-    <a:masterClrMapping/>
-  </p:clrMapOvr>
-</p:sld>
-</file>
-
-<file path=ppt/slides/slide7.xml><?xml version="1.0" encoding="utf-8"?>
-<p:sld xmlns:a="http://schemas.openxmlformats.org/drawingml/2006/main" xmlns:r="http://schemas.openxmlformats.org/officeDocument/2006/relationships" xmlns:p="http://schemas.openxmlformats.org/presentationml/2006/main">
-  <p:cSld>
-    <p:spTree>
-      <p:nvGrpSpPr>
-        <p:cNvPr id="1" name=""/>
-        <p:cNvGrpSpPr/>
-        <p:nvPr/>
-      </p:nvGrpSpPr>
-      <p:grpSpPr>
-        <a:xfrm>
-          <a:off x="0" y="0"/>
-          <a:ext cx="0" cy="0"/>
-          <a:chOff x="0" y="0"/>
-          <a:chExt cx="0" cy="0"/>
-        </a:xfrm>
-      </p:grpSpPr>
-      <p:sp>
-        <p:nvSpPr>
-          <p:cNvPr id="2" name="Title 1"/>
-          <p:cNvSpPr>
-            <a:spLocks noGrp="1"/>
-          </p:cNvSpPr>
-          <p:nvPr>
-            <p:ph type="title"/>
-          </p:nvPr>
-        </p:nvSpPr>
-        <p:spPr>
-          <a:xfrm>
-            <a:off x="381000" y="0"/>
-            <a:ext cx="8229600" cy="1600200"/>
-          </a:xfrm>
-        </p:spPr>
-        <p:txBody>
-          <a:bodyPr/>
-          <a:lstStyle/>
-          <a:p>
-            <a:r>
-              <a:rPr lang="en-US" dirty="0"/>
-              <a:t>Project Scope Statement</a:t>
-            </a:r>
-            <a:endParaRPr lang="en-ID" dirty="0"/>
-          </a:p>
-        </p:txBody>
-      </p:sp>
-      <p:sp>
-        <p:nvSpPr>
-          <p:cNvPr id="3" name="Content Placeholder 2"/>
-          <p:cNvSpPr>
-            <a:spLocks noGrp="1"/>
-          </p:cNvSpPr>
-          <p:nvPr>
-            <p:ph idx="1"/>
-          </p:nvPr>
-        </p:nvSpPr>
-        <p:spPr>
-          <a:xfrm>
-            <a:off x="-76200" y="2286000"/>
-            <a:ext cx="10287000" cy="3429000"/>
-          </a:xfrm>
-        </p:spPr>
-        <p:txBody>
-          <a:bodyPr>
-            <a:noAutofit/>
-          </a:bodyPr>
-          <a:lstStyle/>
-          <a:p>
-            <a:pPr marL="0" indent="0">
-              <a:buNone/>
-            </a:pPr>
-            <a:r>
               <a:rPr lang="en-US" sz="2500" dirty="0" err="1" smtClean="0"/>
               <a:t>Ruang</a:t>
             </a:r>
@@ -6083,7 +5823,7 @@
 </p:sld>
 </file>
 
-<file path=ppt/slides/slide8.xml><?xml version="1.0" encoding="utf-8"?>
+<file path=ppt/slides/slide7.xml><?xml version="1.0" encoding="utf-8"?>
 <p:sld xmlns:a="http://schemas.openxmlformats.org/drawingml/2006/main" xmlns:r="http://schemas.openxmlformats.org/officeDocument/2006/relationships" xmlns:p="http://schemas.openxmlformats.org/presentationml/2006/main">
   <p:cSld>
     <p:spTree>
@@ -6163,7 +5903,7 @@
 </p:sld>
 </file>
 
-<file path=ppt/slides/slide9.xml><?xml version="1.0" encoding="utf-8"?>
+<file path=ppt/slides/slide8.xml><?xml version="1.0" encoding="utf-8"?>
 <p:sld xmlns:a="http://schemas.openxmlformats.org/drawingml/2006/main" xmlns:r="http://schemas.openxmlformats.org/officeDocument/2006/relationships" xmlns:p="http://schemas.openxmlformats.org/presentationml/2006/main">
   <p:cSld>
     <p:spTree>
@@ -6238,6 +5978,88 @@
     <p:extLst>
       <p:ext uri="{BB962C8B-B14F-4D97-AF65-F5344CB8AC3E}">
         <p14:creationId xmlns:p14="http://schemas.microsoft.com/office/powerpoint/2010/main" val="1657728268"/>
+      </p:ext>
+    </p:extLst>
+  </p:cSld>
+  <p:clrMapOvr>
+    <a:masterClrMapping/>
+  </p:clrMapOvr>
+</p:sld>
+</file>
+
+<file path=ppt/slides/slide9.xml><?xml version="1.0" encoding="utf-8"?>
+<p:sld xmlns:a="http://schemas.openxmlformats.org/drawingml/2006/main" xmlns:r="http://schemas.openxmlformats.org/officeDocument/2006/relationships" xmlns:p="http://schemas.openxmlformats.org/presentationml/2006/main">
+  <p:cSld>
+    <p:spTree>
+      <p:nvGrpSpPr>
+        <p:cNvPr id="1" name=""/>
+        <p:cNvGrpSpPr/>
+        <p:nvPr/>
+      </p:nvGrpSpPr>
+      <p:grpSpPr>
+        <a:xfrm>
+          <a:off x="0" y="0"/>
+          <a:ext cx="0" cy="0"/>
+          <a:chOff x="0" y="0"/>
+          <a:chExt cx="0" cy="0"/>
+        </a:xfrm>
+      </p:grpSpPr>
+      <p:sp>
+        <p:nvSpPr>
+          <p:cNvPr id="2" name="Title 1"/>
+          <p:cNvSpPr>
+            <a:spLocks noGrp="1"/>
+          </p:cNvSpPr>
+          <p:nvPr>
+            <p:ph type="title"/>
+          </p:nvPr>
+        </p:nvSpPr>
+        <p:spPr>
+          <a:xfrm>
+            <a:off x="1257300" y="228600"/>
+            <a:ext cx="6629400" cy="838200"/>
+          </a:xfrm>
+        </p:spPr>
+        <p:txBody>
+          <a:bodyPr/>
+          <a:lstStyle/>
+          <a:p>
+            <a:r>
+              <a:rPr lang="en-US" dirty="0" smtClean="0"/>
+              <a:t>Project Management</a:t>
+            </a:r>
+            <a:endParaRPr lang="en-US" dirty="0"/>
+          </a:p>
+        </p:txBody>
+      </p:sp>
+      <p:pic>
+        <p:nvPicPr>
+          <p:cNvPr id="5" name="Picture 4"/>
+          <p:cNvPicPr>
+            <a:picLocks noChangeAspect="1"/>
+          </p:cNvPicPr>
+          <p:nvPr/>
+        </p:nvPicPr>
+        <p:blipFill>
+          <a:blip r:embed="rId2"/>
+          <a:stretch>
+            <a:fillRect/>
+          </a:stretch>
+        </p:blipFill>
+        <p:spPr>
+          <a:xfrm>
+            <a:off x="190500" y="1447800"/>
+            <a:ext cx="8763000" cy="4943475"/>
+          </a:xfrm>
+          <a:prstGeom prst="rect">
+            <a:avLst/>
+          </a:prstGeom>
+        </p:spPr>
+      </p:pic>
+    </p:spTree>
+    <p:extLst>
+      <p:ext uri="{BB962C8B-B14F-4D97-AF65-F5344CB8AC3E}">
+        <p14:creationId xmlns:p14="http://schemas.microsoft.com/office/powerpoint/2010/main" val="701135492"/>
       </p:ext>
     </p:extLst>
   </p:cSld>
